--- a/content/grade7/cycle04/week2/G7_C4_W2_Eutrophication_Slides_Final.pptx
+++ b/content/grade7/cycle04/week2/G7_C4_W2_Eutrophication_Slides_Final.pptx
@@ -3610,8 +3610,8 @@
         </p:nvSpPr>
         <p:spPr>
           <a:xfrm>
-            <a:off x="457200" y="4023360"/>
-            <a:ext cx="8229600" cy="777240"/>
+            <a:off x="457200" y="4005072"/>
+            <a:ext cx="8229600" cy="868680"/>
           </a:xfrm>
           <a:prstGeom prst="rect">
             <a:avLst/>
@@ -3747,8 +3747,8 @@
         </p:nvSpPr>
         <p:spPr>
           <a:xfrm>
-            <a:off x="320040" y="594360"/>
-            <a:ext cx="8503920" cy="274320"/>
+            <a:off x="320040" y="576072"/>
+            <a:ext cx="8503920" cy="365760"/>
           </a:xfrm>
           <a:prstGeom prst="rect">
             <a:avLst/>
@@ -4436,8 +4436,8 @@
         </p:nvSpPr>
         <p:spPr>
           <a:xfrm>
-            <a:off x="457200" y="3291840"/>
-            <a:ext cx="8229600" cy="365760"/>
+            <a:off x="457200" y="3273552"/>
+            <a:ext cx="8229600" cy="457200"/>
           </a:xfrm>
           <a:prstGeom prst="rect">
             <a:avLst/>
@@ -4613,8 +4613,8 @@
         </p:nvSpPr>
         <p:spPr>
           <a:xfrm>
-            <a:off x="320040" y="594360"/>
-            <a:ext cx="8503920" cy="274320"/>
+            <a:off x="320040" y="576072"/>
+            <a:ext cx="8503920" cy="365760"/>
           </a:xfrm>
           <a:prstGeom prst="rect">
             <a:avLst/>
@@ -5835,8 +5835,8 @@
         </p:nvSpPr>
         <p:spPr>
           <a:xfrm>
-            <a:off x="457200" y="4297680"/>
-            <a:ext cx="8229600" cy="548640"/>
+            <a:off x="457200" y="4279392"/>
+            <a:ext cx="8229600" cy="640080"/>
           </a:xfrm>
           <a:prstGeom prst="rect">
             <a:avLst/>
@@ -5972,8 +5972,8 @@
         </p:nvSpPr>
         <p:spPr>
           <a:xfrm>
-            <a:off x="320040" y="594360"/>
-            <a:ext cx="8503920" cy="274320"/>
+            <a:off x="320040" y="576072"/>
+            <a:ext cx="8503920" cy="365760"/>
           </a:xfrm>
           <a:prstGeom prst="rect">
             <a:avLst/>
@@ -6178,8 +6178,8 @@
         </p:nvSpPr>
         <p:spPr>
           <a:xfrm>
-            <a:off x="457200" y="3611880"/>
-            <a:ext cx="8229600" cy="365760"/>
+            <a:off x="457200" y="3593592"/>
+            <a:ext cx="8229600" cy="457200"/>
           </a:xfrm>
           <a:prstGeom prst="rect">
             <a:avLst/>
@@ -9517,8 +9517,8 @@
         </p:nvSpPr>
         <p:spPr>
           <a:xfrm>
-            <a:off x="320040" y="594360"/>
-            <a:ext cx="8503920" cy="274320"/>
+            <a:off x="320040" y="576072"/>
+            <a:ext cx="8503920" cy="365760"/>
           </a:xfrm>
           <a:prstGeom prst="rect">
             <a:avLst/>
@@ -10078,8 +10078,8 @@
         </p:nvSpPr>
         <p:spPr>
           <a:xfrm>
-            <a:off x="457200" y="3474720"/>
-            <a:ext cx="8229600" cy="365760"/>
+            <a:off x="457200" y="3456432"/>
+            <a:ext cx="8229600" cy="457200"/>
           </a:xfrm>
           <a:prstGeom prst="rect">
             <a:avLst/>
@@ -10251,8 +10251,8 @@
         </p:nvSpPr>
         <p:spPr>
           <a:xfrm>
-            <a:off x="320040" y="594360"/>
-            <a:ext cx="8503920" cy="274320"/>
+            <a:off x="320040" y="576072"/>
+            <a:ext cx="8503920" cy="365760"/>
           </a:xfrm>
           <a:prstGeom prst="rect">
             <a:avLst/>
